--- a/파이썬 과제/파이썬 6강 과제 남정현.pptx
+++ b/파이썬 과제/파이썬 6강 과제 남정현.pptx
@@ -115,6 +115,11 @@
       </a:defRPr>
     </a:lvl9pPr>
   </p:defaultTextStyle>
+  <p:extLst>
+    <p:ext uri="{EFAFB233-063F-42B5-8137-9DF3F51BA10A}">
+      <p15:sldGuideLst xmlns:p15="http://schemas.microsoft.com/office/powerpoint/2012/main"/>
+    </p:ext>
+  </p:extLst>
 </p:presentation>
 </file>
 
@@ -4005,10 +4010,10 @@
       </p:sp>
       <p:pic>
         <p:nvPicPr>
-          <p:cNvPr id="4" name="그림 3">
+          <p:cNvPr id="5" name="그림 4">
             <a:extLst>
               <a:ext uri="{FF2B5EF4-FFF2-40B4-BE49-F238E27FC236}">
-                <a16:creationId xmlns:a16="http://schemas.microsoft.com/office/drawing/2014/main" id="{35C8607F-79E4-1555-9B54-C9351522E2C0}"/>
+                <a16:creationId xmlns:a16="http://schemas.microsoft.com/office/drawing/2014/main" id="{69ACE58F-594E-FEA8-2A9C-C895EA660364}"/>
               </a:ext>
             </a:extLst>
           </p:cNvPr>
@@ -4025,8 +4030,8 @@
         </p:blipFill>
         <p:spPr>
           <a:xfrm>
-            <a:off x="3199996" y="190048"/>
-            <a:ext cx="5792008" cy="6477904"/>
+            <a:off x="2981540" y="0"/>
+            <a:ext cx="6228920" cy="6858000"/>
           </a:xfrm>
           <a:prstGeom prst="rect">
             <a:avLst/>
